--- a/Final Report/Slides.pptx
+++ b/Final Report/Slides.pptx
@@ -486,6 +486,7 @@
   <c:externalData r:id="rId3">
     <c:autoUpdate val="0"/>
   </c:externalData>
+  <c:userShapes r:id="rId4"/>
 </c:chartSpace>
 </file>
 
@@ -551,6 +552,7 @@
   <c:externalData r:id="rId3">
     <c:autoUpdate val="0"/>
   </c:externalData>
+  <c:userShapes r:id="rId4"/>
 </c:chartSpace>
 </file>
 
@@ -616,6 +618,7 @@
   <c:externalData r:id="rId3">
     <c:autoUpdate val="0"/>
   </c:externalData>
+  <c:userShapes r:id="rId4"/>
 </c:chartSpace>
 </file>
 
@@ -4692,6 +4695,120 @@
         <a:xfrm xmlns:a="http://schemas.openxmlformats.org/drawingml/2006/main">
           <a:off x="50800" y="50800"/>
           <a:ext cx="3437890" cy="2493010"/>
+        </a:xfrm>
+        <a:prstGeom xmlns:a="http://schemas.openxmlformats.org/drawingml/2006/main" prst="rect">
+          <a:avLst/>
+        </a:prstGeom>
+      </cdr:spPr>
+    </cdr:pic>
+  </cdr:relSizeAnchor>
+</c:userShapes>
+</file>
+
+<file path=ppt/drawings/drawing5.xml><?xml version="1.0" encoding="utf-8"?>
+<c:userShapes xmlns:c="http://schemas.openxmlformats.org/drawingml/2006/chart">
+  <cdr:relSizeAnchor xmlns:cdr="http://schemas.openxmlformats.org/drawingml/2006/chartDrawing">
+    <cdr:from>
+      <cdr:x>0</cdr:x>
+      <cdr:y>0</cdr:y>
+    </cdr:from>
+    <cdr:to>
+      <cdr:x>1</cdr:x>
+      <cdr:y>1</cdr:y>
+    </cdr:to>
+    <cdr:pic>
+      <cdr:nvPicPr>
+        <cdr:cNvPr id="2" name="chart"/>
+        <cdr:cNvPicPr>
+          <a:picLocks xmlns:a="http://schemas.openxmlformats.org/drawingml/2006/main" noChangeAspect="1"/>
+        </cdr:cNvPicPr>
+      </cdr:nvPicPr>
+      <cdr:blipFill>
+        <a:blip xmlns:a="http://schemas.openxmlformats.org/drawingml/2006/main" xmlns:r="http://schemas.openxmlformats.org/officeDocument/2006/relationships" r:embed="rId1"/>
+        <a:stretch xmlns:a="http://schemas.openxmlformats.org/drawingml/2006/main">
+          <a:fillRect/>
+        </a:stretch>
+      </cdr:blipFill>
+      <cdr:spPr>
+        <a:xfrm xmlns:a="http://schemas.openxmlformats.org/drawingml/2006/main">
+          <a:off x="0" y="0"/>
+          <a:ext cx="8323809" cy="8828571"/>
+        </a:xfrm>
+        <a:prstGeom xmlns:a="http://schemas.openxmlformats.org/drawingml/2006/main" prst="rect">
+          <a:avLst/>
+        </a:prstGeom>
+      </cdr:spPr>
+    </cdr:pic>
+  </cdr:relSizeAnchor>
+</c:userShapes>
+</file>
+
+<file path=ppt/drawings/drawing6.xml><?xml version="1.0" encoding="utf-8"?>
+<c:userShapes xmlns:c="http://schemas.openxmlformats.org/drawingml/2006/chart">
+  <cdr:relSizeAnchor xmlns:cdr="http://schemas.openxmlformats.org/drawingml/2006/chartDrawing">
+    <cdr:from>
+      <cdr:x>0</cdr:x>
+      <cdr:y>0</cdr:y>
+    </cdr:from>
+    <cdr:to>
+      <cdr:x>1</cdr:x>
+      <cdr:y>1</cdr:y>
+    </cdr:to>
+    <cdr:pic>
+      <cdr:nvPicPr>
+        <cdr:cNvPr id="2" name="chart"/>
+        <cdr:cNvPicPr>
+          <a:picLocks xmlns:a="http://schemas.openxmlformats.org/drawingml/2006/main" noChangeAspect="1"/>
+        </cdr:cNvPicPr>
+      </cdr:nvPicPr>
+      <cdr:blipFill>
+        <a:blip xmlns:a="http://schemas.openxmlformats.org/drawingml/2006/main" xmlns:r="http://schemas.openxmlformats.org/officeDocument/2006/relationships" r:embed="rId1"/>
+        <a:stretch xmlns:a="http://schemas.openxmlformats.org/drawingml/2006/main">
+          <a:fillRect/>
+        </a:stretch>
+      </cdr:blipFill>
+      <cdr:spPr>
+        <a:xfrm xmlns:a="http://schemas.openxmlformats.org/drawingml/2006/main">
+          <a:off x="0" y="0"/>
+          <a:ext cx="8561905" cy="8809524"/>
+        </a:xfrm>
+        <a:prstGeom xmlns:a="http://schemas.openxmlformats.org/drawingml/2006/main" prst="rect">
+          <a:avLst/>
+        </a:prstGeom>
+      </cdr:spPr>
+    </cdr:pic>
+  </cdr:relSizeAnchor>
+</c:userShapes>
+</file>
+
+<file path=ppt/drawings/drawing7.xml><?xml version="1.0" encoding="utf-8"?>
+<c:userShapes xmlns:c="http://schemas.openxmlformats.org/drawingml/2006/chart">
+  <cdr:relSizeAnchor xmlns:cdr="http://schemas.openxmlformats.org/drawingml/2006/chartDrawing">
+    <cdr:from>
+      <cdr:x>0</cdr:x>
+      <cdr:y>0</cdr:y>
+    </cdr:from>
+    <cdr:to>
+      <cdr:x>1</cdr:x>
+      <cdr:y>1</cdr:y>
+    </cdr:to>
+    <cdr:pic>
+      <cdr:nvPicPr>
+        <cdr:cNvPr id="2" name="chart"/>
+        <cdr:cNvPicPr>
+          <a:picLocks xmlns:a="http://schemas.openxmlformats.org/drawingml/2006/main" noChangeAspect="1"/>
+        </cdr:cNvPicPr>
+      </cdr:nvPicPr>
+      <cdr:blipFill>
+        <a:blip xmlns:a="http://schemas.openxmlformats.org/drawingml/2006/main" xmlns:r="http://schemas.openxmlformats.org/officeDocument/2006/relationships" r:embed="rId1"/>
+        <a:stretch xmlns:a="http://schemas.openxmlformats.org/drawingml/2006/main">
+          <a:fillRect/>
+        </a:stretch>
+      </cdr:blipFill>
+      <cdr:spPr>
+        <a:xfrm xmlns:a="http://schemas.openxmlformats.org/drawingml/2006/main">
+          <a:off x="0" y="0"/>
+          <a:ext cx="8533333" cy="8771428"/>
         </a:xfrm>
         <a:prstGeom xmlns:a="http://schemas.openxmlformats.org/drawingml/2006/main" prst="rect">
           <a:avLst/>
@@ -7530,100 +7647,6 @@
           <a:chExt cx="0" cy="0"/>
         </a:xfrm>
       </p:grpSpPr>
-      <p:pic>
-        <p:nvPicPr>
-          <p:cNvPr id="10" name="Picture 9" descr="A picture  of a city. ">
-            <a:extLst>
-              <a:ext uri="{FF2B5EF4-FFF2-40B4-BE49-F238E27FC236}">
-                <a16:creationId xmlns:a16="http://schemas.microsoft.com/office/drawing/2014/main" id="{8C9681D9-380A-4EAF-91DB-E07432FF9C3F}"/>
-              </a:ext>
-            </a:extLst>
-          </p:cNvPr>
-          <p:cNvPicPr>
-            <a:picLocks noChangeAspect="1"/>
-          </p:cNvPicPr>
-          <p:nvPr/>
-        </p:nvPicPr>
-        <p:blipFill rotWithShape="1">
-          <a:blip r:embed="rId3" cstate="print">
-            <a:extLst>
-              <a:ext uri="{28A0092B-C50C-407E-A947-70E740481C1C}">
-                <a14:useLocalDpi xmlns:a14="http://schemas.microsoft.com/office/drawing/2010/main" val="0"/>
-              </a:ext>
-            </a:extLst>
-          </a:blip>
-          <a:srcRect/>
-          <a:stretch/>
-        </p:blipFill>
-        <p:spPr>
-          <a:xfrm>
-            <a:off x="0" y="1"/>
-            <a:ext cx="12192000" cy="6857999"/>
-          </a:xfrm>
-          <a:prstGeom prst="rect">
-            <a:avLst/>
-          </a:prstGeom>
-        </p:spPr>
-      </p:pic>
-      <p:sp>
-        <p:nvSpPr>
-          <p:cNvPr id="8" name="Rectangle 7">
-            <a:extLst>
-              <a:ext uri="{FF2B5EF4-FFF2-40B4-BE49-F238E27FC236}">
-                <a16:creationId xmlns:a16="http://schemas.microsoft.com/office/drawing/2014/main" id="{64564789-A474-46BE-A2F2-4F27C6E39F3F}"/>
-              </a:ext>
-              <a:ext uri="{C183D7F6-B498-43B3-948B-1728B52AA6E4}">
-                <adec:decorative xmlns:adec="http://schemas.microsoft.com/office/drawing/2017/decorative" xmlns="" val="1"/>
-              </a:ext>
-            </a:extLst>
-          </p:cNvPr>
-          <p:cNvSpPr/>
-          <p:nvPr/>
-        </p:nvSpPr>
-        <p:spPr>
-          <a:xfrm>
-            <a:off x="0" y="0"/>
-            <a:ext cx="12192000" cy="6858000"/>
-          </a:xfrm>
-          <a:prstGeom prst="rect">
-            <a:avLst/>
-          </a:prstGeom>
-          <a:solidFill>
-            <a:schemeClr val="tx1">
-              <a:lumMod val="95000"/>
-              <a:lumOff val="5000"/>
-              <a:alpha val="85000"/>
-            </a:schemeClr>
-          </a:solidFill>
-          <a:ln>
-            <a:noFill/>
-          </a:ln>
-        </p:spPr>
-        <p:style>
-          <a:lnRef idx="2">
-            <a:schemeClr val="accent1">
-              <a:shade val="50000"/>
-            </a:schemeClr>
-          </a:lnRef>
-          <a:fillRef idx="1">
-            <a:schemeClr val="accent1"/>
-          </a:fillRef>
-          <a:effectRef idx="0">
-            <a:schemeClr val="accent1"/>
-          </a:effectRef>
-          <a:fontRef idx="minor">
-            <a:schemeClr val="lt1"/>
-          </a:fontRef>
-        </p:style>
-        <p:txBody>
-          <a:bodyPr rtlCol="0" anchor="ctr"/>
-          <a:lstStyle/>
-          <a:p>
-            <a:pPr algn="ctr"/>
-            <a:endParaRPr lang="en-US" dirty="0"/>
-          </a:p>
-        </p:txBody>
-      </p:sp>
       <p:sp>
         <p:nvSpPr>
           <p:cNvPr id="16" name="Rectangle: Rounded Corners 15">
@@ -7632,7 +7655,7 @@
                 <a16:creationId xmlns:a16="http://schemas.microsoft.com/office/drawing/2014/main" id="{4E70207C-E81D-4E79-9654-07E51237BC3C}"/>
               </a:ext>
               <a:ext uri="{C183D7F6-B498-43B3-948B-1728B52AA6E4}">
-                <adec:decorative xmlns:adec="http://schemas.microsoft.com/office/drawing/2017/decorative" xmlns="" val="1"/>
+                <adec:decorative xmlns="" xmlns:adec="http://schemas.microsoft.com/office/drawing/2017/decorative" val="1"/>
               </a:ext>
             </a:extLst>
           </p:cNvPr>
@@ -7693,7 +7716,7 @@
                 <a16:creationId xmlns:a16="http://schemas.microsoft.com/office/drawing/2014/main" id="{D2C300DA-4EC9-46EA-916D-25BEDAE0F239}"/>
               </a:ext>
               <a:ext uri="{C183D7F6-B498-43B3-948B-1728B52AA6E4}">
-                <adec:decorative xmlns:adec="http://schemas.microsoft.com/office/drawing/2017/decorative" xmlns="" val="1"/>
+                <adec:decorative xmlns="" xmlns:adec="http://schemas.microsoft.com/office/drawing/2017/decorative" val="1"/>
               </a:ext>
             </a:extLst>
           </p:cNvPr>
@@ -7746,45 +7769,6 @@
           </a:p>
         </p:txBody>
       </p:sp>
-      <p:pic>
-        <p:nvPicPr>
-          <p:cNvPr id="6" name="Picture 5"/>
-          <p:cNvPicPr>
-            <a:picLocks noChangeAspect="1"/>
-          </p:cNvPicPr>
-          <p:nvPr/>
-        </p:nvPicPr>
-        <p:blipFill>
-          <a:blip r:embed="rId4">
-            <a:extLst>
-              <a:ext uri="{BEBA8EAE-BF5A-486C-A8C5-ECC9F3942E4B}">
-                <a14:imgProps xmlns:a14="http://schemas.microsoft.com/office/drawing/2010/main">
-                  <a14:imgLayer r:embed="rId5">
-                    <a14:imgEffect>
-                      <a14:saturation sat="0"/>
-                    </a14:imgEffect>
-                  </a14:imgLayer>
-                </a14:imgProps>
-              </a:ext>
-              <a:ext uri="{28A0092B-C50C-407E-A947-70E740481C1C}">
-                <a14:useLocalDpi xmlns:a14="http://schemas.microsoft.com/office/drawing/2010/main" val="0"/>
-              </a:ext>
-            </a:extLst>
-          </a:blip>
-          <a:stretch>
-            <a:fillRect/>
-          </a:stretch>
-        </p:blipFill>
-        <p:spPr>
-          <a:xfrm>
-            <a:off x="3824" y="0"/>
-            <a:ext cx="12184351" cy="6858000"/>
-          </a:xfrm>
-          <a:prstGeom prst="rect">
-            <a:avLst/>
-          </a:prstGeom>
-        </p:spPr>
-      </p:pic>
       <p:sp>
         <p:nvSpPr>
           <p:cNvPr id="4" name="Rectangle 3">
@@ -7793,7 +7777,7 @@
                 <a16:creationId xmlns:a16="http://schemas.microsoft.com/office/drawing/2014/main" id="{CFA111C5-A78D-479B-8C31-7C75D54750E4}"/>
               </a:ext>
               <a:ext uri="{C183D7F6-B498-43B3-948B-1728B52AA6E4}">
-                <adec:decorative xmlns:adec="http://schemas.microsoft.com/office/drawing/2017/decorative" xmlns="" val="1"/>
+                <adec:decorative xmlns="" xmlns:adec="http://schemas.microsoft.com/office/drawing/2017/decorative" val="1"/>
               </a:ext>
             </a:extLst>
           </p:cNvPr>
@@ -7848,7 +7832,7 @@
                 <a16:creationId xmlns:a16="http://schemas.microsoft.com/office/drawing/2014/main" id="{2907CD1A-2477-48CA-8693-2133EA1C329A}"/>
               </a:ext>
               <a:ext uri="{C183D7F6-B498-43B3-948B-1728B52AA6E4}">
-                <adec:decorative xmlns:adec="http://schemas.microsoft.com/office/drawing/2017/decorative" xmlns="" val="1"/>
+                <adec:decorative xmlns="" xmlns:adec="http://schemas.microsoft.com/office/drawing/2017/decorative" val="1"/>
               </a:ext>
             </a:extLst>
           </p:cNvPr>
@@ -7857,10 +7841,10 @@
         </p:nvGrpSpPr>
         <p:grpSpPr>
           <a:xfrm>
-            <a:off x="4167698" y="1224091"/>
-            <a:ext cx="3856603" cy="4409819"/>
-            <a:chOff x="4167698" y="1500698"/>
-            <a:chExt cx="3856603" cy="4409819"/>
+            <a:off x="4163872" y="1224091"/>
+            <a:ext cx="3860428" cy="4394121"/>
+            <a:chOff x="4163872" y="1500698"/>
+            <a:chExt cx="3860428" cy="4394121"/>
           </a:xfrm>
         </p:grpSpPr>
         <p:sp>
@@ -7933,7 +7917,7 @@
           </p:nvSpPr>
           <p:spPr>
             <a:xfrm rot="18900000">
-              <a:off x="4167699" y="2053915"/>
+              <a:off x="4163872" y="2038217"/>
               <a:ext cx="3856602" cy="3856602"/>
             </a:xfrm>
             <a:prstGeom prst="roundRect">
@@ -7984,7 +7968,7 @@
                 <a16:creationId xmlns:a16="http://schemas.microsoft.com/office/drawing/2014/main" id="{34457E54-1FC4-4040-9DF5-1D27FD6BBD8C}"/>
               </a:ext>
               <a:ext uri="{C183D7F6-B498-43B3-948B-1728B52AA6E4}">
-                <adec:decorative xmlns:adec="http://schemas.microsoft.com/office/drawing/2017/decorative" xmlns="" val="1"/>
+                <adec:decorative xmlns="" xmlns:adec="http://schemas.microsoft.com/office/drawing/2017/decorative" val="1"/>
               </a:ext>
             </a:extLst>
           </p:cNvPr>
@@ -8045,7 +8029,7 @@
                 <a16:creationId xmlns:a16="http://schemas.microsoft.com/office/drawing/2014/main" id="{01FF3AA5-65B8-4250-9FA5-E730BA5D93C8}"/>
               </a:ext>
               <a:ext uri="{C183D7F6-B498-43B3-948B-1728B52AA6E4}">
-                <adec:decorative xmlns:adec="http://schemas.microsoft.com/office/drawing/2017/decorative" xmlns="" val="1"/>
+                <adec:decorative xmlns="" xmlns:adec="http://schemas.microsoft.com/office/drawing/2017/decorative" val="1"/>
               </a:ext>
             </a:extLst>
           </p:cNvPr>
@@ -8167,7 +8151,7 @@
                 <a16:creationId xmlns:a16="http://schemas.microsoft.com/office/drawing/2014/main" id="{9BCCD400-5AC0-46BA-AF0D-532EA062DDFE}"/>
               </a:ext>
               <a:ext uri="{C183D7F6-B498-43B3-948B-1728B52AA6E4}">
-                <adec:decorative xmlns:adec="http://schemas.microsoft.com/office/drawing/2017/decorative" xmlns="" val="1"/>
+                <adec:decorative xmlns="" xmlns:adec="http://schemas.microsoft.com/office/drawing/2017/decorative" val="1"/>
               </a:ext>
             </a:extLst>
           </p:cNvPr>
@@ -8325,6 +8309,159 @@
           </a:p>
         </p:txBody>
       </p:sp>
+      <p:pic>
+        <p:nvPicPr>
+          <p:cNvPr id="15" name="Picture 14"/>
+          <p:cNvPicPr>
+            <a:picLocks noChangeAspect="1"/>
+          </p:cNvPicPr>
+          <p:nvPr/>
+        </p:nvPicPr>
+        <p:blipFill>
+          <a:blip r:embed="rId3">
+            <a:extLst>
+              <a:ext uri="{28A0092B-C50C-407E-A947-70E740481C1C}">
+                <a14:useLocalDpi xmlns:a14="http://schemas.microsoft.com/office/drawing/2010/main" val="0"/>
+              </a:ext>
+            </a:extLst>
+          </a:blip>
+          <a:stretch>
+            <a:fillRect/>
+          </a:stretch>
+        </p:blipFill>
+        <p:spPr>
+          <a:xfrm>
+            <a:off x="10315497" y="6096720"/>
+            <a:ext cx="952619" cy="473134"/>
+          </a:xfrm>
+          <a:prstGeom prst="rect">
+            <a:avLst/>
+          </a:prstGeom>
+        </p:spPr>
+      </p:pic>
+      <p:sp>
+        <p:nvSpPr>
+          <p:cNvPr id="3" name="TextBox 2"/>
+          <p:cNvSpPr txBox="1"/>
+          <p:nvPr/>
+        </p:nvSpPr>
+        <p:spPr>
+          <a:xfrm>
+            <a:off x="4850080" y="2593114"/>
+            <a:ext cx="2484185" cy="1200329"/>
+          </a:xfrm>
+          <a:prstGeom prst="rect">
+            <a:avLst/>
+          </a:prstGeom>
+          <a:noFill/>
+        </p:spPr>
+        <p:txBody>
+          <a:bodyPr wrap="square" rtlCol="0">
+            <a:spAutoFit/>
+          </a:bodyPr>
+          <a:lstStyle/>
+          <a:p>
+            <a:r>
+              <a:rPr lang="en-US" dirty="0"/>
+              <a:t>Contextual Visualization of Magnetic Resonance Angiography (MRA)</a:t>
+            </a:r>
+          </a:p>
+          <a:p>
+            <a:endParaRPr lang="en-US" dirty="0"/>
+          </a:p>
+        </p:txBody>
+      </p:sp>
+      <p:sp>
+        <p:nvSpPr>
+          <p:cNvPr id="7" name="TextBox 6"/>
+          <p:cNvSpPr txBox="1"/>
+          <p:nvPr/>
+        </p:nvSpPr>
+        <p:spPr>
+          <a:xfrm>
+            <a:off x="5046860" y="3802805"/>
+            <a:ext cx="2236944" cy="646331"/>
+          </a:xfrm>
+          <a:prstGeom prst="rect">
+            <a:avLst/>
+          </a:prstGeom>
+          <a:noFill/>
+        </p:spPr>
+        <p:txBody>
+          <a:bodyPr wrap="square" rtlCol="0">
+            <a:spAutoFit/>
+          </a:bodyPr>
+          <a:lstStyle/>
+          <a:p>
+            <a:r>
+              <a:rPr lang="en-US" sz="1200" dirty="0" smtClean="0"/>
+              <a:t>Visualization for Scientific Data</a:t>
+            </a:r>
+          </a:p>
+          <a:p>
+            <a:endParaRPr lang="en-US" sz="1200" dirty="0"/>
+          </a:p>
+          <a:p>
+            <a:pPr algn="ctr"/>
+            <a:r>
+              <a:rPr lang="en-US" sz="1200" dirty="0" smtClean="0"/>
+              <a:t>Spring 2020</a:t>
+            </a:r>
+            <a:endParaRPr lang="en-US" sz="1200" dirty="0"/>
+          </a:p>
+        </p:txBody>
+      </p:sp>
+      <p:sp>
+        <p:nvSpPr>
+          <p:cNvPr id="18" name="TextBox 17"/>
+          <p:cNvSpPr txBox="1"/>
+          <p:nvPr/>
+        </p:nvSpPr>
+        <p:spPr>
+          <a:xfrm>
+            <a:off x="5046860" y="4513267"/>
+            <a:ext cx="2236944" cy="430887"/>
+          </a:xfrm>
+          <a:prstGeom prst="rect">
+            <a:avLst/>
+          </a:prstGeom>
+          <a:noFill/>
+        </p:spPr>
+        <p:txBody>
+          <a:bodyPr wrap="square" rtlCol="0">
+            <a:spAutoFit/>
+          </a:bodyPr>
+          <a:lstStyle/>
+          <a:p>
+            <a:pPr algn="ctr"/>
+            <a:r>
+              <a:rPr lang="en-US" sz="1050" dirty="0" err="1"/>
+              <a:t>Karthik</a:t>
+            </a:r>
+            <a:r>
+              <a:rPr lang="en-US" sz="1050" dirty="0"/>
+              <a:t> </a:t>
+            </a:r>
+            <a:r>
+              <a:rPr lang="en-US" sz="1050" dirty="0" err="1"/>
+              <a:t>Karanth</a:t>
+            </a:r>
+            <a:r>
+              <a:rPr lang="en-US" sz="1050" dirty="0"/>
+              <a:t> </a:t>
+            </a:r>
+            <a:endParaRPr lang="en-US" sz="1050" dirty="0" smtClean="0"/>
+          </a:p>
+          <a:p>
+            <a:pPr algn="ctr"/>
+            <a:r>
+              <a:rPr lang="en-US" sz="1050" dirty="0"/>
+              <a:t>Farshad Mogharrabi</a:t>
+            </a:r>
+            <a:endParaRPr lang="en-US" sz="800" dirty="0"/>
+          </a:p>
+        </p:txBody>
+      </p:sp>
     </p:spTree>
     <p:extLst>
       <p:ext uri="{BB962C8B-B14F-4D97-AF65-F5344CB8AC3E}">
@@ -8370,7 +8507,7 @@
                 <a16:creationId xmlns:a16="http://schemas.microsoft.com/office/drawing/2014/main" id="{5517C826-C471-4169-9892-EEBF4B4D8645}"/>
               </a:ext>
               <a:ext uri="{C183D7F6-B498-43B3-948B-1728B52AA6E4}">
-                <adec:decorative xmlns:adec="http://schemas.microsoft.com/office/drawing/2017/decorative" xmlns="" val="1"/>
+                <adec:decorative xmlns="" xmlns:adec="http://schemas.microsoft.com/office/drawing/2017/decorative" val="1"/>
               </a:ext>
             </a:extLst>
           </p:cNvPr>
@@ -8430,7 +8567,7 @@
                 <a16:creationId xmlns:a16="http://schemas.microsoft.com/office/drawing/2014/main" id="{581D706E-E15A-45F0-9055-C455145F0A7C}"/>
               </a:ext>
               <a:ext uri="{C183D7F6-B498-43B3-948B-1728B52AA6E4}">
-                <adec:decorative xmlns:adec="http://schemas.microsoft.com/office/drawing/2017/decorative" xmlns="" val="1"/>
+                <adec:decorative xmlns="" xmlns:adec="http://schemas.microsoft.com/office/drawing/2017/decorative" val="1"/>
               </a:ext>
             </a:extLst>
           </p:cNvPr>
@@ -8487,7 +8624,7 @@
                 <a16:creationId xmlns:a16="http://schemas.microsoft.com/office/drawing/2014/main" id="{228B89D6-D457-43D1-99F9-B86C5647AEB2}"/>
               </a:ext>
               <a:ext uri="{C183D7F6-B498-43B3-948B-1728B52AA6E4}">
-                <adec:decorative xmlns:adec="http://schemas.microsoft.com/office/drawing/2017/decorative" xmlns="" val="1"/>
+                <adec:decorative xmlns="" xmlns:adec="http://schemas.microsoft.com/office/drawing/2017/decorative" val="1"/>
               </a:ext>
             </a:extLst>
           </p:cNvPr>
@@ -8544,7 +8681,7 @@
                 <a16:creationId xmlns:a16="http://schemas.microsoft.com/office/drawing/2014/main" id="{116FB6B7-1CB4-4813-99A3-137C82BE19D1}"/>
               </a:ext>
               <a:ext uri="{C183D7F6-B498-43B3-948B-1728B52AA6E4}">
-                <adec:decorative xmlns:adec="http://schemas.microsoft.com/office/drawing/2017/decorative" xmlns="" val="1"/>
+                <adec:decorative xmlns="" xmlns:adec="http://schemas.microsoft.com/office/drawing/2017/decorative" val="1"/>
               </a:ext>
             </a:extLst>
           </p:cNvPr>
@@ -8604,7 +8741,7 @@
                 <a16:creationId xmlns:a16="http://schemas.microsoft.com/office/drawing/2014/main" id="{C50DE9D8-FD82-4684-9ED8-826B4EC01B44}"/>
               </a:ext>
               <a:ext uri="{C183D7F6-B498-43B3-948B-1728B52AA6E4}">
-                <adec:decorative xmlns:adec="http://schemas.microsoft.com/office/drawing/2017/decorative" xmlns="" val="1"/>
+                <adec:decorative xmlns="" xmlns:adec="http://schemas.microsoft.com/office/drawing/2017/decorative" val="1"/>
               </a:ext>
             </a:extLst>
           </p:cNvPr>
@@ -8777,7 +8914,7 @@
                 <a16:creationId xmlns:a16="http://schemas.microsoft.com/office/drawing/2014/main" id="{58D74CDE-9215-466C-A65F-88C6021F08D5}"/>
               </a:ext>
               <a:ext uri="{C183D7F6-B498-43B3-948B-1728B52AA6E4}">
-                <adec:decorative xmlns:adec="http://schemas.microsoft.com/office/drawing/2017/decorative" xmlns="" val="1"/>
+                <adec:decorative xmlns="" xmlns:adec="http://schemas.microsoft.com/office/drawing/2017/decorative" val="1"/>
               </a:ext>
             </a:extLst>
           </p:cNvPr>
@@ -8839,7 +8976,7 @@
                 <a16:creationId xmlns:a16="http://schemas.microsoft.com/office/drawing/2014/main" id="{18217AA4-5B01-4C74-81C0-F0B9128B6845}"/>
               </a:ext>
               <a:ext uri="{C183D7F6-B498-43B3-948B-1728B52AA6E4}">
-                <adec:decorative xmlns:adec="http://schemas.microsoft.com/office/drawing/2017/decorative" xmlns="" val="1"/>
+                <adec:decorative xmlns="" xmlns:adec="http://schemas.microsoft.com/office/drawing/2017/decorative" val="1"/>
               </a:ext>
             </a:extLst>
           </p:cNvPr>
@@ -8901,7 +9038,7 @@
                 <a16:creationId xmlns:a16="http://schemas.microsoft.com/office/drawing/2014/main" id="{7B630BF0-C64E-4E93-A9CA-5E2A05DEE2A2}"/>
               </a:ext>
               <a:ext uri="{C183D7F6-B498-43B3-948B-1728B52AA6E4}">
-                <adec:decorative xmlns:adec="http://schemas.microsoft.com/office/drawing/2017/decorative" xmlns="" val="1"/>
+                <adec:decorative xmlns="" xmlns:adec="http://schemas.microsoft.com/office/drawing/2017/decorative" val="1"/>
               </a:ext>
             </a:extLst>
           </p:cNvPr>
@@ -9102,7 +9239,7 @@
                 <a16:creationId xmlns:a16="http://schemas.microsoft.com/office/drawing/2014/main" id="{1A4FE373-17BB-493F-A361-B12440813A1F}"/>
               </a:ext>
               <a:ext uri="{C183D7F6-B498-43B3-948B-1728B52AA6E4}">
-                <adec:decorative xmlns:adec="http://schemas.microsoft.com/office/drawing/2017/decorative" xmlns="" val="1"/>
+                <adec:decorative xmlns="" xmlns:adec="http://schemas.microsoft.com/office/drawing/2017/decorative" val="1"/>
               </a:ext>
             </a:extLst>
           </p:cNvPr>
@@ -9306,7 +9443,7 @@
                 <a16:creationId xmlns:a16="http://schemas.microsoft.com/office/drawing/2014/main" id="{05ECD4C0-D89D-49E9-AC09-4F34CDD54EDB}"/>
               </a:ext>
               <a:ext uri="{C183D7F6-B498-43B3-948B-1728B52AA6E4}">
-                <adec:decorative xmlns:adec="http://schemas.microsoft.com/office/drawing/2017/decorative" xmlns="" val="1"/>
+                <adec:decorative xmlns="" xmlns:adec="http://schemas.microsoft.com/office/drawing/2017/decorative" val="1"/>
               </a:ext>
             </a:extLst>
           </p:cNvPr>
@@ -9510,7 +9647,7 @@
                 <a16:creationId xmlns:a16="http://schemas.microsoft.com/office/drawing/2014/main" id="{B9C20A2B-9E5F-4699-B7E0-C92C4B4C11C6}"/>
               </a:ext>
               <a:ext uri="{C183D7F6-B498-43B3-948B-1728B52AA6E4}">
-                <adec:decorative xmlns:adec="http://schemas.microsoft.com/office/drawing/2017/decorative" xmlns="" val="1"/>
+                <adec:decorative xmlns="" xmlns:adec="http://schemas.microsoft.com/office/drawing/2017/decorative" val="1"/>
               </a:ext>
             </a:extLst>
           </p:cNvPr>
@@ -9714,7 +9851,7 @@
                 <a16:creationId xmlns:a16="http://schemas.microsoft.com/office/drawing/2014/main" id="{83DF543E-D479-4828-BA2F-2A24D956B7A2}"/>
               </a:ext>
               <a:ext uri="{C183D7F6-B498-43B3-948B-1728B52AA6E4}">
-                <adec:decorative xmlns:adec="http://schemas.microsoft.com/office/drawing/2017/decorative" xmlns="" val="1"/>
+                <adec:decorative xmlns="" xmlns:adec="http://schemas.microsoft.com/office/drawing/2017/decorative" val="1"/>
               </a:ext>
             </a:extLst>
           </p:cNvPr>
@@ -13662,7 +13799,7 @@
                 <a16:creationId xmlns:a16="http://schemas.microsoft.com/office/drawing/2014/main" id="{095571C6-E78B-432E-820B-E4F5E4306FBF}"/>
               </a:ext>
               <a:ext uri="{C183D7F6-B498-43B3-948B-1728B52AA6E4}">
-                <adec:decorative xmlns:adec="http://schemas.microsoft.com/office/drawing/2017/decorative" xmlns="" val="1"/>
+                <adec:decorative xmlns="" xmlns:adec="http://schemas.microsoft.com/office/drawing/2017/decorative" val="1"/>
               </a:ext>
             </a:extLst>
           </p:cNvPr>
@@ -14159,7 +14296,7 @@
                 <a16:creationId xmlns:a16="http://schemas.microsoft.com/office/drawing/2014/main" id="{CCAE9C21-B3D7-4679-B837-F4BA7320CFB2}"/>
               </a:ext>
               <a:ext uri="{C183D7F6-B498-43B3-948B-1728B52AA6E4}">
-                <adec:decorative xmlns:adec="http://schemas.microsoft.com/office/drawing/2017/decorative" xmlns="" val="1"/>
+                <adec:decorative xmlns="" xmlns:adec="http://schemas.microsoft.com/office/drawing/2017/decorative" val="1"/>
               </a:ext>
             </a:extLst>
           </p:cNvPr>
@@ -14653,7 +14790,7 @@
                 <a16:creationId xmlns:a16="http://schemas.microsoft.com/office/drawing/2014/main" id="{6F24C558-0189-4057-9F4E-DF71D7873DAB}"/>
               </a:ext>
               <a:ext uri="{C183D7F6-B498-43B3-948B-1728B52AA6E4}">
-                <adec:decorative xmlns:adec="http://schemas.microsoft.com/office/drawing/2017/decorative" xmlns="" val="1"/>
+                <adec:decorative xmlns="" xmlns:adec="http://schemas.microsoft.com/office/drawing/2017/decorative" val="1"/>
               </a:ext>
             </a:extLst>
           </p:cNvPr>
@@ -15307,7 +15444,7 @@
                 <a16:creationId xmlns:a16="http://schemas.microsoft.com/office/drawing/2014/main" id="{095571C6-E78B-432E-820B-E4F5E4306FBF}"/>
               </a:ext>
               <a:ext uri="{C183D7F6-B498-43B3-948B-1728B52AA6E4}">
-                <adec:decorative xmlns:adec="http://schemas.microsoft.com/office/drawing/2017/decorative" xmlns="" val="1"/>
+                <adec:decorative xmlns="" xmlns:adec="http://schemas.microsoft.com/office/drawing/2017/decorative" val="1"/>
               </a:ext>
             </a:extLst>
           </p:cNvPr>
@@ -15392,7 +15529,7 @@
             <p:nvPr>
               <p:extLst>
                 <p:ext uri="{D42A27DB-BD31-4B8C-83A1-F6EECF244321}">
-                  <p14:modId xmlns:p14="http://schemas.microsoft.com/office/powerpoint/2010/main" val="909107104"/>
+                  <p14:modId xmlns:p14="http://schemas.microsoft.com/office/powerpoint/2010/main" val="2000825967"/>
                 </p:ext>
               </p:extLst>
             </p:nvPr>
@@ -15456,159 +15593,14 @@
             <a:p>
               <a:pPr algn="ctr"/>
               <a:r>
-                <a:rPr lang="en-US" sz="1600" dirty="0" smtClean="0"/>
-                <a:t>The title of what you show up there</a:t>
+                <a:rPr lang="en-US" dirty="0"/>
+                <a:t>Extract </a:t>
+              </a:r>
+              <a:r>
+                <a:rPr lang="en-US" dirty="0" err="1"/>
+                <a:t>isosurfaces</a:t>
               </a:r>
               <a:endParaRPr lang="en-US" sz="1600" dirty="0"/>
-            </a:p>
-          </p:txBody>
-        </p:sp>
-        <p:sp>
-          <p:nvSpPr>
-            <p:cNvPr id="45" name="TextBox 47">
-              <a:extLst>
-                <a:ext uri="{FF2B5EF4-FFF2-40B4-BE49-F238E27FC236}">
-                  <a16:creationId xmlns:a16="http://schemas.microsoft.com/office/drawing/2014/main" id="{93A7AF6A-22BC-4CD2-A354-D732C3FA233C}"/>
-                </a:ext>
-              </a:extLst>
-            </p:cNvPr>
-            <p:cNvSpPr txBox="1"/>
-            <p:nvPr/>
-          </p:nvSpPr>
-          <p:spPr>
-            <a:xfrm>
-              <a:off x="1005964" y="4396126"/>
-              <a:ext cx="2693422" cy="215444"/>
-            </a:xfrm>
-            <a:prstGeom prst="rect">
-              <a:avLst/>
-            </a:prstGeom>
-            <a:noFill/>
-            <a:ln w="6350">
-              <a:noFill/>
-              <a:prstDash val="dash"/>
-            </a:ln>
-          </p:spPr>
-          <p:txBody>
-            <a:bodyPr wrap="square" lIns="0" tIns="0" rIns="0" bIns="0" rtlCol="0">
-              <a:spAutoFit/>
-            </a:bodyPr>
-            <a:lstStyle>
-              <a:defPPr>
-                <a:defRPr lang="en-US"/>
-              </a:defPPr>
-              <a:lvl1pPr marL="0" algn="l" defTabSz="914400" rtl="0" eaLnBrk="1" latinLnBrk="0" hangingPunct="1">
-                <a:defRPr sz="1800" kern="1200">
-                  <a:solidFill>
-                    <a:schemeClr val="tx1"/>
-                  </a:solidFill>
-                  <a:latin typeface="+mn-lt"/>
-                  <a:ea typeface="+mn-ea"/>
-                  <a:cs typeface="+mn-cs"/>
-                </a:defRPr>
-              </a:lvl1pPr>
-              <a:lvl2pPr marL="457200" algn="l" defTabSz="914400" rtl="0" eaLnBrk="1" latinLnBrk="0" hangingPunct="1">
-                <a:defRPr sz="1800" kern="1200">
-                  <a:solidFill>
-                    <a:schemeClr val="tx1"/>
-                  </a:solidFill>
-                  <a:latin typeface="+mn-lt"/>
-                  <a:ea typeface="+mn-ea"/>
-                  <a:cs typeface="+mn-cs"/>
-                </a:defRPr>
-              </a:lvl2pPr>
-              <a:lvl3pPr marL="914400" algn="l" defTabSz="914400" rtl="0" eaLnBrk="1" latinLnBrk="0" hangingPunct="1">
-                <a:defRPr sz="1800" kern="1200">
-                  <a:solidFill>
-                    <a:schemeClr val="tx1"/>
-                  </a:solidFill>
-                  <a:latin typeface="+mn-lt"/>
-                  <a:ea typeface="+mn-ea"/>
-                  <a:cs typeface="+mn-cs"/>
-                </a:defRPr>
-              </a:lvl3pPr>
-              <a:lvl4pPr marL="1371600" algn="l" defTabSz="914400" rtl="0" eaLnBrk="1" latinLnBrk="0" hangingPunct="1">
-                <a:defRPr sz="1800" kern="1200">
-                  <a:solidFill>
-                    <a:schemeClr val="tx1"/>
-                  </a:solidFill>
-                  <a:latin typeface="+mn-lt"/>
-                  <a:ea typeface="+mn-ea"/>
-                  <a:cs typeface="+mn-cs"/>
-                </a:defRPr>
-              </a:lvl4pPr>
-              <a:lvl5pPr marL="1828800" algn="l" defTabSz="914400" rtl="0" eaLnBrk="1" latinLnBrk="0" hangingPunct="1">
-                <a:defRPr sz="1800" kern="1200">
-                  <a:solidFill>
-                    <a:schemeClr val="tx1"/>
-                  </a:solidFill>
-                  <a:latin typeface="+mn-lt"/>
-                  <a:ea typeface="+mn-ea"/>
-                  <a:cs typeface="+mn-cs"/>
-                </a:defRPr>
-              </a:lvl5pPr>
-              <a:lvl6pPr marL="2286000" algn="l" defTabSz="914400" rtl="0" eaLnBrk="1" latinLnBrk="0" hangingPunct="1">
-                <a:defRPr sz="1800" kern="1200">
-                  <a:solidFill>
-                    <a:schemeClr val="tx1"/>
-                  </a:solidFill>
-                  <a:latin typeface="+mn-lt"/>
-                  <a:ea typeface="+mn-ea"/>
-                  <a:cs typeface="+mn-cs"/>
-                </a:defRPr>
-              </a:lvl6pPr>
-              <a:lvl7pPr marL="2743200" algn="l" defTabSz="914400" rtl="0" eaLnBrk="1" latinLnBrk="0" hangingPunct="1">
-                <a:defRPr sz="1800" kern="1200">
-                  <a:solidFill>
-                    <a:schemeClr val="tx1"/>
-                  </a:solidFill>
-                  <a:latin typeface="+mn-lt"/>
-                  <a:ea typeface="+mn-ea"/>
-                  <a:cs typeface="+mn-cs"/>
-                </a:defRPr>
-              </a:lvl7pPr>
-              <a:lvl8pPr marL="3200400" algn="l" defTabSz="914400" rtl="0" eaLnBrk="1" latinLnBrk="0" hangingPunct="1">
-                <a:defRPr sz="1800" kern="1200">
-                  <a:solidFill>
-                    <a:schemeClr val="tx1"/>
-                  </a:solidFill>
-                  <a:latin typeface="+mn-lt"/>
-                  <a:ea typeface="+mn-ea"/>
-                  <a:cs typeface="+mn-cs"/>
-                </a:defRPr>
-              </a:lvl8pPr>
-              <a:lvl9pPr marL="3657600" algn="l" defTabSz="914400" rtl="0" eaLnBrk="1" latinLnBrk="0" hangingPunct="1">
-                <a:defRPr sz="1800" kern="1200">
-                  <a:solidFill>
-                    <a:schemeClr val="tx1"/>
-                  </a:solidFill>
-                  <a:latin typeface="+mn-lt"/>
-                  <a:ea typeface="+mn-ea"/>
-                  <a:cs typeface="+mn-cs"/>
-                </a:defRPr>
-              </a:lvl9pPr>
-            </a:lstStyle>
-            <a:p>
-              <a:pPr algn="ctr"/>
-              <a:r>
-                <a:rPr lang="en-US" sz="1400" dirty="0" smtClean="0">
-                  <a:solidFill>
-                    <a:schemeClr val="tx1">
-                      <a:lumMod val="75000"/>
-                      <a:lumOff val="25000"/>
-                    </a:schemeClr>
-                  </a:solidFill>
-                </a:rPr>
-                <a:t>explanation</a:t>
-              </a:r>
-              <a:endParaRPr lang="en-US" sz="1400" dirty="0">
-                <a:solidFill>
-                  <a:schemeClr val="tx1">
-                    <a:lumMod val="75000"/>
-                    <a:lumOff val="25000"/>
-                  </a:schemeClr>
-                </a:solidFill>
-              </a:endParaRPr>
             </a:p>
           </p:txBody>
         </p:sp>
@@ -15804,7 +15796,7 @@
                 <a16:creationId xmlns:a16="http://schemas.microsoft.com/office/drawing/2014/main" id="{CCAE9C21-B3D7-4679-B837-F4BA7320CFB2}"/>
               </a:ext>
               <a:ext uri="{C183D7F6-B498-43B3-948B-1728B52AA6E4}">
-                <adec:decorative xmlns:adec="http://schemas.microsoft.com/office/drawing/2017/decorative" xmlns="" val="1"/>
+                <adec:decorative xmlns="" xmlns:adec="http://schemas.microsoft.com/office/drawing/2017/decorative" val="1"/>
               </a:ext>
             </a:extLst>
           </p:cNvPr>
@@ -15889,7 +15881,7 @@
             <p:nvPr>
               <p:extLst>
                 <p:ext uri="{D42A27DB-BD31-4B8C-83A1-F6EECF244321}">
-                  <p14:modId xmlns:p14="http://schemas.microsoft.com/office/powerpoint/2010/main" val="3124563298"/>
+                  <p14:modId xmlns:p14="http://schemas.microsoft.com/office/powerpoint/2010/main" val="1026309032"/>
                 </p:ext>
               </p:extLst>
             </p:nvPr>
@@ -15953,8 +15945,8 @@
             <a:p>
               <a:pPr algn="ctr"/>
               <a:r>
-                <a:rPr lang="en-US" sz="1600" dirty="0"/>
-                <a:t>The title of what you show up there</a:t>
+                <a:rPr lang="en-US" dirty="0"/>
+                <a:t>Toggle</a:t>
               </a:r>
               <a:endParaRPr lang="en-US" sz="1600" dirty="0"/>
             </a:p>
@@ -15975,7 +15967,7 @@
           <p:spPr>
             <a:xfrm>
               <a:off x="4768339" y="4396126"/>
-              <a:ext cx="2693422" cy="215444"/>
+              <a:ext cx="2693422" cy="430887"/>
             </a:xfrm>
             <a:prstGeom prst="rect">
               <a:avLst/>
@@ -16096,7 +16088,7 @@
                     </a:schemeClr>
                   </a:solidFill>
                 </a:rPr>
-                <a:t>explanation</a:t>
+                <a:t>The doctor can enable/disable this overlay with the spacebar key</a:t>
               </a:r>
               <a:endParaRPr lang="en-US" sz="1400" dirty="0">
                 <a:solidFill>
@@ -16298,7 +16290,7 @@
                 <a16:creationId xmlns:a16="http://schemas.microsoft.com/office/drawing/2014/main" id="{6F24C558-0189-4057-9F4E-DF71D7873DAB}"/>
               </a:ext>
               <a:ext uri="{C183D7F6-B498-43B3-948B-1728B52AA6E4}">
-                <adec:decorative xmlns:adec="http://schemas.microsoft.com/office/drawing/2017/decorative" xmlns="" val="1"/>
+                <adec:decorative xmlns="" xmlns:adec="http://schemas.microsoft.com/office/drawing/2017/decorative" val="1"/>
               </a:ext>
             </a:extLst>
           </p:cNvPr>
@@ -16383,7 +16375,7 @@
             <p:nvPr>
               <p:extLst>
                 <p:ext uri="{D42A27DB-BD31-4B8C-83A1-F6EECF244321}">
-                  <p14:modId xmlns:p14="http://schemas.microsoft.com/office/powerpoint/2010/main" val="3492931672"/>
+                  <p14:modId xmlns:p14="http://schemas.microsoft.com/office/powerpoint/2010/main" val="4262600074"/>
                 </p:ext>
               </p:extLst>
             </p:nvPr>
@@ -16447,8 +16439,8 @@
             <a:p>
               <a:pPr algn="ctr"/>
               <a:r>
-                <a:rPr lang="en-US" sz="1600" dirty="0"/>
-                <a:t>The title of what you show up there</a:t>
+                <a:rPr lang="en-US" dirty="0"/>
+                <a:t>Tracking vasculature</a:t>
               </a:r>
               <a:endParaRPr lang="en-US" sz="1600" dirty="0"/>
             </a:p>
@@ -16469,7 +16461,7 @@
           <p:spPr>
             <a:xfrm>
               <a:off x="4768339" y="4396126"/>
-              <a:ext cx="2693422" cy="215444"/>
+              <a:ext cx="2693422" cy="430887"/>
             </a:xfrm>
             <a:prstGeom prst="rect">
               <a:avLst/>
@@ -16582,7 +16574,7 @@
             <a:p>
               <a:pPr algn="ctr"/>
               <a:r>
-                <a:rPr lang="en-US" sz="1400" dirty="0" smtClean="0">
+                <a:rPr lang="en-US" sz="1400" dirty="0">
                   <a:solidFill>
                     <a:schemeClr val="tx1">
                       <a:lumMod val="75000"/>
@@ -16590,7 +16582,29 @@
                     </a:schemeClr>
                   </a:solidFill>
                 </a:rPr>
-                <a:t>explanation</a:t>
+                <a:t>In </a:t>
+              </a:r>
+              <a:r>
+                <a:rPr lang="en-US" sz="1400" dirty="0" err="1">
+                  <a:solidFill>
+                    <a:schemeClr val="tx1">
+                      <a:lumMod val="75000"/>
+                      <a:lumOff val="25000"/>
+                    </a:schemeClr>
+                  </a:solidFill>
+                </a:rPr>
+                <a:t>conjuction</a:t>
+              </a:r>
+              <a:r>
+                <a:rPr lang="en-US" sz="1400" dirty="0">
+                  <a:solidFill>
+                    <a:schemeClr val="tx1">
+                      <a:lumMod val="75000"/>
+                      <a:lumOff val="25000"/>
+                    </a:schemeClr>
+                  </a:solidFill>
+                </a:rPr>
+                <a:t> with the ROI feature, the doctor can track vasculature</a:t>
               </a:r>
               <a:endParaRPr lang="en-US" sz="1400" dirty="0">
                 <a:solidFill>
@@ -16811,6 +16825,216 @@
           </a:prstGeom>
         </p:spPr>
       </p:pic>
+      <p:sp>
+        <p:nvSpPr>
+          <p:cNvPr id="33" name="TextBox 47">
+            <a:extLst>
+              <a:ext uri="{FF2B5EF4-FFF2-40B4-BE49-F238E27FC236}">
+                <a16:creationId xmlns:a16="http://schemas.microsoft.com/office/drawing/2014/main" id="{1DD221D1-F384-4A12-B3A1-9380E515AA4D}"/>
+              </a:ext>
+            </a:extLst>
+          </p:cNvPr>
+          <p:cNvSpPr txBox="1"/>
+          <p:nvPr/>
+        </p:nvSpPr>
+        <p:spPr>
+          <a:xfrm>
+            <a:off x="1071151" y="4396126"/>
+            <a:ext cx="2693422" cy="430887"/>
+          </a:xfrm>
+          <a:prstGeom prst="rect">
+            <a:avLst/>
+          </a:prstGeom>
+          <a:noFill/>
+          <a:ln w="6350">
+            <a:noFill/>
+            <a:prstDash val="dash"/>
+          </a:ln>
+        </p:spPr>
+        <p:txBody>
+          <a:bodyPr wrap="square" lIns="0" tIns="0" rIns="0" bIns="0" rtlCol="0">
+            <a:spAutoFit/>
+          </a:bodyPr>
+          <a:lstStyle>
+            <a:defPPr>
+              <a:defRPr lang="en-US"/>
+            </a:defPPr>
+            <a:lvl1pPr marL="0" algn="l" defTabSz="914400" rtl="0" eaLnBrk="1" latinLnBrk="0" hangingPunct="1">
+              <a:defRPr sz="1800" kern="1200">
+                <a:solidFill>
+                  <a:schemeClr val="tx1"/>
+                </a:solidFill>
+                <a:latin typeface="+mn-lt"/>
+                <a:ea typeface="+mn-ea"/>
+                <a:cs typeface="+mn-cs"/>
+              </a:defRPr>
+            </a:lvl1pPr>
+            <a:lvl2pPr marL="457200" algn="l" defTabSz="914400" rtl="0" eaLnBrk="1" latinLnBrk="0" hangingPunct="1">
+              <a:defRPr sz="1800" kern="1200">
+                <a:solidFill>
+                  <a:schemeClr val="tx1"/>
+                </a:solidFill>
+                <a:latin typeface="+mn-lt"/>
+                <a:ea typeface="+mn-ea"/>
+                <a:cs typeface="+mn-cs"/>
+              </a:defRPr>
+            </a:lvl2pPr>
+            <a:lvl3pPr marL="914400" algn="l" defTabSz="914400" rtl="0" eaLnBrk="1" latinLnBrk="0" hangingPunct="1">
+              <a:defRPr sz="1800" kern="1200">
+                <a:solidFill>
+                  <a:schemeClr val="tx1"/>
+                </a:solidFill>
+                <a:latin typeface="+mn-lt"/>
+                <a:ea typeface="+mn-ea"/>
+                <a:cs typeface="+mn-cs"/>
+              </a:defRPr>
+            </a:lvl3pPr>
+            <a:lvl4pPr marL="1371600" algn="l" defTabSz="914400" rtl="0" eaLnBrk="1" latinLnBrk="0" hangingPunct="1">
+              <a:defRPr sz="1800" kern="1200">
+                <a:solidFill>
+                  <a:schemeClr val="tx1"/>
+                </a:solidFill>
+                <a:latin typeface="+mn-lt"/>
+                <a:ea typeface="+mn-ea"/>
+                <a:cs typeface="+mn-cs"/>
+              </a:defRPr>
+            </a:lvl4pPr>
+            <a:lvl5pPr marL="1828800" algn="l" defTabSz="914400" rtl="0" eaLnBrk="1" latinLnBrk="0" hangingPunct="1">
+              <a:defRPr sz="1800" kern="1200">
+                <a:solidFill>
+                  <a:schemeClr val="tx1"/>
+                </a:solidFill>
+                <a:latin typeface="+mn-lt"/>
+                <a:ea typeface="+mn-ea"/>
+                <a:cs typeface="+mn-cs"/>
+              </a:defRPr>
+            </a:lvl5pPr>
+            <a:lvl6pPr marL="2286000" algn="l" defTabSz="914400" rtl="0" eaLnBrk="1" latinLnBrk="0" hangingPunct="1">
+              <a:defRPr sz="1800" kern="1200">
+                <a:solidFill>
+                  <a:schemeClr val="tx1"/>
+                </a:solidFill>
+                <a:latin typeface="+mn-lt"/>
+                <a:ea typeface="+mn-ea"/>
+                <a:cs typeface="+mn-cs"/>
+              </a:defRPr>
+            </a:lvl6pPr>
+            <a:lvl7pPr marL="2743200" algn="l" defTabSz="914400" rtl="0" eaLnBrk="1" latinLnBrk="0" hangingPunct="1">
+              <a:defRPr sz="1800" kern="1200">
+                <a:solidFill>
+                  <a:schemeClr val="tx1"/>
+                </a:solidFill>
+                <a:latin typeface="+mn-lt"/>
+                <a:ea typeface="+mn-ea"/>
+                <a:cs typeface="+mn-cs"/>
+              </a:defRPr>
+            </a:lvl7pPr>
+            <a:lvl8pPr marL="3200400" algn="l" defTabSz="914400" rtl="0" eaLnBrk="1" latinLnBrk="0" hangingPunct="1">
+              <a:defRPr sz="1800" kern="1200">
+                <a:solidFill>
+                  <a:schemeClr val="tx1"/>
+                </a:solidFill>
+                <a:latin typeface="+mn-lt"/>
+                <a:ea typeface="+mn-ea"/>
+                <a:cs typeface="+mn-cs"/>
+              </a:defRPr>
+            </a:lvl8pPr>
+            <a:lvl9pPr marL="3657600" algn="l" defTabSz="914400" rtl="0" eaLnBrk="1" latinLnBrk="0" hangingPunct="1">
+              <a:defRPr sz="1800" kern="1200">
+                <a:solidFill>
+                  <a:schemeClr val="tx1"/>
+                </a:solidFill>
+                <a:latin typeface="+mn-lt"/>
+                <a:ea typeface="+mn-ea"/>
+                <a:cs typeface="+mn-cs"/>
+              </a:defRPr>
+            </a:lvl9pPr>
+          </a:lstStyle>
+          <a:p>
+            <a:pPr algn="ctr"/>
+            <a:r>
+              <a:rPr lang="en-US" sz="1400" dirty="0">
+                <a:solidFill>
+                  <a:schemeClr val="tx1">
+                    <a:lumMod val="75000"/>
+                    <a:lumOff val="25000"/>
+                  </a:schemeClr>
+                </a:solidFill>
+              </a:rPr>
+              <a:t>We extract </a:t>
+            </a:r>
+            <a:r>
+              <a:rPr lang="en-US" sz="1400" dirty="0" err="1">
+                <a:solidFill>
+                  <a:schemeClr val="tx1">
+                    <a:lumMod val="75000"/>
+                    <a:lumOff val="25000"/>
+                  </a:schemeClr>
+                </a:solidFill>
+              </a:rPr>
+              <a:t>isosurfaces</a:t>
+            </a:r>
+            <a:r>
+              <a:rPr lang="en-US" sz="1400" dirty="0">
+                <a:solidFill>
+                  <a:schemeClr val="tx1">
+                    <a:lumMod val="75000"/>
+                    <a:lumOff val="25000"/>
+                  </a:schemeClr>
+                </a:solidFill>
+              </a:rPr>
+              <a:t> from the data that show the vasculature</a:t>
+            </a:r>
+            <a:endParaRPr lang="en-US" sz="1400" dirty="0">
+              <a:solidFill>
+                <a:schemeClr val="tx1">
+                  <a:lumMod val="75000"/>
+                  <a:lumOff val="25000"/>
+                </a:schemeClr>
+              </a:solidFill>
+            </a:endParaRPr>
+          </a:p>
+        </p:txBody>
+      </p:sp>
+      <p:sp>
+        <p:nvSpPr>
+          <p:cNvPr id="5" name="AutoShape 2" descr="https://files.slack.com/files-pri/TK0FRVBR7-F012YN8GMNF/image.png"/>
+          <p:cNvSpPr>
+            <a:spLocks noChangeAspect="1" noChangeArrowheads="1"/>
+          </p:cNvSpPr>
+          <p:nvPr/>
+        </p:nvSpPr>
+        <p:spPr bwMode="auto">
+          <a:xfrm>
+            <a:off x="155575" y="-144463"/>
+            <a:ext cx="304800" cy="304801"/>
+          </a:xfrm>
+          <a:prstGeom prst="rect">
+            <a:avLst/>
+          </a:prstGeom>
+          <a:noFill/>
+          <a:extLst>
+            <a:ext uri="{909E8E84-426E-40DD-AFC4-6F175D3DCCD1}">
+              <a14:hiddenFill xmlns:a14="http://schemas.microsoft.com/office/drawing/2010/main">
+                <a:solidFill>
+                  <a:srgbClr val="FFFFFF"/>
+                </a:solidFill>
+              </a14:hiddenFill>
+            </a:ext>
+          </a:extLst>
+        </p:spPr>
+        <p:txBody>
+          <a:bodyPr vert="horz" wrap="square" lIns="91440" tIns="45720" rIns="91440" bIns="45720" numCol="1" anchor="t" anchorCtr="0" compatLnSpc="1">
+            <a:prstTxWarp prst="textNoShape">
+              <a:avLst/>
+            </a:prstTxWarp>
+          </a:bodyPr>
+          <a:lstStyle/>
+          <a:p>
+            <a:endParaRPr lang="en-US"/>
+          </a:p>
+        </p:txBody>
+      </p:sp>
     </p:spTree>
     <p:extLst>
       <p:ext uri="{BB962C8B-B14F-4D97-AF65-F5344CB8AC3E}">
@@ -17623,6 +17847,14 @@
 </file>
 
 <file path=customXml/item1.xml><?xml version="1.0" encoding="utf-8"?>
+<p:properties xmlns:p="http://schemas.microsoft.com/office/2006/metadata/properties" xmlns:xsi="http://www.w3.org/2001/XMLSchema-instance" xmlns:pc="http://schemas.microsoft.com/office/infopath/2007/PartnerControls">
+  <documentManagement>
+    <MediaServiceKeyPoints xmlns="71af3243-3dd4-4a8d-8c0d-dd76da1f02a5" xsi:nil="true"/>
+  </documentManagement>
+</p:properties>
+</file>
+
+<file path=customXml/item2.xml><?xml version="1.0" encoding="utf-8"?>
 <ct:contentTypeSchema xmlns:ct="http://schemas.microsoft.com/office/2006/metadata/contentType" xmlns:ma="http://schemas.microsoft.com/office/2006/metadata/properties/metaAttributes" ct:_="" ma:_="" ma:contentTypeName="Document" ma:contentTypeID="0x01010079F111ED35F8CC479449609E8A0923A6" ma:contentTypeVersion="11" ma:contentTypeDescription="Create a new document." ma:contentTypeScope="" ma:versionID="9677210f24a1be23c92c90fd886aa0aa">
   <xsd:schema xmlns:xsd="http://www.w3.org/2001/XMLSchema" xmlns:xs="http://www.w3.org/2001/XMLSchema" xmlns:p="http://schemas.microsoft.com/office/2006/metadata/properties" xmlns:ns2="71af3243-3dd4-4a8d-8c0d-dd76da1f02a5" xmlns:ns3="16c05727-aa75-4e4a-9b5f-8a80a1165891" targetNamespace="http://schemas.microsoft.com/office/2006/metadata/properties" ma:root="true" ma:fieldsID="60e05723c5c1908df1a1a4ebf11d344e" ns2:_="" ns3:_="">
     <xsd:import namespace="71af3243-3dd4-4a8d-8c0d-dd76da1f02a5"/>
@@ -17833,14 +18065,6 @@
 </ct:contentTypeSchema>
 </file>
 
-<file path=customXml/item2.xml><?xml version="1.0" encoding="utf-8"?>
-<p:properties xmlns:p="http://schemas.microsoft.com/office/2006/metadata/properties" xmlns:xsi="http://www.w3.org/2001/XMLSchema-instance" xmlns:pc="http://schemas.microsoft.com/office/infopath/2007/PartnerControls">
-  <documentManagement>
-    <MediaServiceKeyPoints xmlns="71af3243-3dd4-4a8d-8c0d-dd76da1f02a5" xsi:nil="true"/>
-  </documentManagement>
-</p:properties>
-</file>
-
 <file path=customXml/item3.xml><?xml version="1.0" encoding="utf-8"?>
 <?mso-contentType ?>
 <FormTemplates xmlns="http://schemas.microsoft.com/sharepoint/v3/contenttype/forms">
@@ -17851,6 +18075,16 @@
 </file>
 
 <file path=customXml/itemProps1.xml><?xml version="1.0" encoding="utf-8"?>
+<ds:datastoreItem xmlns:ds="http://schemas.openxmlformats.org/officeDocument/2006/customXml" ds:itemID="{33EC375F-F377-4CDC-ADF0-CC8811D177D6}">
+  <ds:schemaRefs>
+    <ds:schemaRef ds:uri="http://schemas.microsoft.com/office/2006/metadata/properties"/>
+    <ds:schemaRef ds:uri="http://schemas.microsoft.com/office/infopath/2007/PartnerControls"/>
+    <ds:schemaRef ds:uri="71af3243-3dd4-4a8d-8c0d-dd76da1f02a5"/>
+  </ds:schemaRefs>
+</ds:datastoreItem>
+</file>
+
+<file path=customXml/itemProps2.xml><?xml version="1.0" encoding="utf-8"?>
 <ds:datastoreItem xmlns:ds="http://schemas.openxmlformats.org/officeDocument/2006/customXml" ds:itemID="{D1B0ABC2-BF39-4F70-A7AD-9DFBD1D27268}">
   <ds:schemaRefs>
     <ds:schemaRef ds:uri="http://schemas.microsoft.com/office/2006/metadata/contentType"/>
@@ -17869,16 +18103,6 @@
 </ds:datastoreItem>
 </file>
 
-<file path=customXml/itemProps2.xml><?xml version="1.0" encoding="utf-8"?>
-<ds:datastoreItem xmlns:ds="http://schemas.openxmlformats.org/officeDocument/2006/customXml" ds:itemID="{33EC375F-F377-4CDC-ADF0-CC8811D177D6}">
-  <ds:schemaRefs>
-    <ds:schemaRef ds:uri="http://schemas.microsoft.com/office/2006/metadata/properties"/>
-    <ds:schemaRef ds:uri="http://schemas.microsoft.com/office/infopath/2007/PartnerControls"/>
-    <ds:schemaRef ds:uri="71af3243-3dd4-4a8d-8c0d-dd76da1f02a5"/>
-  </ds:schemaRefs>
-</ds:datastoreItem>
-</file>
-
 <file path=customXml/itemProps3.xml><?xml version="1.0" encoding="utf-8"?>
 <ds:datastoreItem xmlns:ds="http://schemas.openxmlformats.org/officeDocument/2006/customXml" ds:itemID="{661A1251-DA89-493A-8204-679220DD13D9}">
   <ds:schemaRefs>
